--- a/target/ppt/output.pptx
+++ b/target/ppt/output.pptx
@@ -282,7 +282,7 @@
           <a:p>
             <a:fld id="{3A1A0583-4DD2-4447-BB98-703DF4A55311}" type="datetimeFigureOut">
               <a:rPr lang="en-US" smtClean="0"/>
-              <a:t>07-Dec-18</a:t>
+              <a:t>09-Dec-18</a:t>
             </a:fld>
             <a:endParaRPr lang="en-US"/>
           </a:p>
@@ -452,7 +452,7 @@
           <a:p>
             <a:fld id="{3A1A0583-4DD2-4447-BB98-703DF4A55311}" type="datetimeFigureOut">
               <a:rPr lang="en-US" smtClean="0"/>
-              <a:t>07-Dec-18</a:t>
+              <a:t>09-Dec-18</a:t>
             </a:fld>
             <a:endParaRPr lang="en-US"/>
           </a:p>
@@ -632,7 +632,7 @@
           <a:p>
             <a:fld id="{3A1A0583-4DD2-4447-BB98-703DF4A55311}" type="datetimeFigureOut">
               <a:rPr lang="en-US" smtClean="0"/>
-              <a:t>07-Dec-18</a:t>
+              <a:t>09-Dec-18</a:t>
             </a:fld>
             <a:endParaRPr lang="en-US"/>
           </a:p>
@@ -802,7 +802,7 @@
           <a:p>
             <a:fld id="{3A1A0583-4DD2-4447-BB98-703DF4A55311}" type="datetimeFigureOut">
               <a:rPr lang="en-US" smtClean="0"/>
-              <a:t>07-Dec-18</a:t>
+              <a:t>09-Dec-18</a:t>
             </a:fld>
             <a:endParaRPr lang="en-US"/>
           </a:p>
@@ -1046,7 +1046,7 @@
           <a:p>
             <a:fld id="{3A1A0583-4DD2-4447-BB98-703DF4A55311}" type="datetimeFigureOut">
               <a:rPr lang="en-US" smtClean="0"/>
-              <a:t>07-Dec-18</a:t>
+              <a:t>09-Dec-18</a:t>
             </a:fld>
             <a:endParaRPr lang="en-US"/>
           </a:p>
@@ -1278,7 +1278,7 @@
           <a:p>
             <a:fld id="{3A1A0583-4DD2-4447-BB98-703DF4A55311}" type="datetimeFigureOut">
               <a:rPr lang="en-US" smtClean="0"/>
-              <a:t>07-Dec-18</a:t>
+              <a:t>09-Dec-18</a:t>
             </a:fld>
             <a:endParaRPr lang="en-US"/>
           </a:p>
@@ -1645,7 +1645,7 @@
           <a:p>
             <a:fld id="{3A1A0583-4DD2-4447-BB98-703DF4A55311}" type="datetimeFigureOut">
               <a:rPr lang="en-US" smtClean="0"/>
-              <a:t>07-Dec-18</a:t>
+              <a:t>09-Dec-18</a:t>
             </a:fld>
             <a:endParaRPr lang="en-US"/>
           </a:p>
@@ -1763,7 +1763,7 @@
           <a:p>
             <a:fld id="{3A1A0583-4DD2-4447-BB98-703DF4A55311}" type="datetimeFigureOut">
               <a:rPr lang="en-US" smtClean="0"/>
-              <a:t>07-Dec-18</a:t>
+              <a:t>09-Dec-18</a:t>
             </a:fld>
             <a:endParaRPr lang="en-US"/>
           </a:p>
@@ -1858,7 +1858,7 @@
           <a:p>
             <a:fld id="{3A1A0583-4DD2-4447-BB98-703DF4A55311}" type="datetimeFigureOut">
               <a:rPr lang="en-US" smtClean="0"/>
-              <a:t>07-Dec-18</a:t>
+              <a:t>09-Dec-18</a:t>
             </a:fld>
             <a:endParaRPr lang="en-US"/>
           </a:p>
@@ -2135,7 +2135,7 @@
           <a:p>
             <a:fld id="{3A1A0583-4DD2-4447-BB98-703DF4A55311}" type="datetimeFigureOut">
               <a:rPr lang="en-US" smtClean="0"/>
-              <a:t>07-Dec-18</a:t>
+              <a:t>09-Dec-18</a:t>
             </a:fld>
             <a:endParaRPr lang="en-US"/>
           </a:p>
@@ -2392,7 +2392,7 @@
           <a:p>
             <a:fld id="{3A1A0583-4DD2-4447-BB98-703DF4A55311}" type="datetimeFigureOut">
               <a:rPr lang="en-US" smtClean="0"/>
-              <a:t>07-Dec-18</a:t>
+              <a:t>09-Dec-18</a:t>
             </a:fld>
             <a:endParaRPr lang="en-US"/>
           </a:p>
@@ -2605,7 +2605,7 @@
           <a:p>
             <a:fld id="{3A1A0583-4DD2-4447-BB98-703DF4A55311}" type="datetimeFigureOut">
               <a:rPr lang="en-US" smtClean="0"/>
-              <a:t>07-Dec-18</a:t>
+              <a:t>09-Dec-18</a:t>
             </a:fld>
             <a:endParaRPr lang="en-US"/>
           </a:p>
@@ -3696,7 +3696,7 @@
                 <a:ea charset="0" panose="020B0606030504020204" pitchFamily="34" typeface="Open Sans"/>
                 <a:cs charset="0" panose="020B0606030504020204" pitchFamily="34" typeface="Open Sans"/>
               </a:rPr>
-              <a:t>Cristi Șova</a:t>
+              <a:t>Andrei Gheorge</a:t>
             </a:r>
             <a:endParaRPr/>
           </a:p>
@@ -3760,7 +3760,7 @@
                 <a:ea charset="0" panose="020B0606030504020204" pitchFamily="34" typeface="Open Sans"/>
                 <a:cs charset="0" panose="020B0606030504020204" pitchFamily="34" typeface="Open Sans"/>
               </a:rPr>
-              <a:t>cristisova@yahoo.com</a:t>
+              <a:t>andreigheorghe@yahoo.com</a:t>
             </a:r>
             <a:endParaRPr b="1" dirty="0" lang="en-US" sz="1400">
               <a:latin charset="0" panose="020B0606030504020204" pitchFamily="34" typeface="Open Sans"/>
@@ -5816,12 +5816,13 @@
         </p:spPr>
         <p:txBody>
           <a:bodyPr>
-            <a:normAutofit/>
+            <a:normAutofit lnSpcReduction="10000"/>
           </a:bodyPr>
           <a:lstStyle/>
           <a:p>
             <a:pPr algn="just" indent="0" marL="0">
               <a:buNone/>
+              <a:defRPr/>
             </a:pPr>
             <a:r>
               <a:rPr dirty="0" err="1" lang="en-US" sz="2000">
@@ -6174,7 +6175,9 @@
             </a:endParaRPr>
           </a:p>
           <a:p>
-            <a:pPr algn="just"/>
+            <a:pPr algn="just">
+              <a:defRPr/>
+            </a:pPr>
             <a:r>
               <a:rPr dirty="0" lang="en-US" sz="2000">
                 <a:latin charset="0" panose="020B0606030504020204" pitchFamily="34" typeface="Open Sans"/>
@@ -6311,9 +6314,12 @@
               </a:rPr>
               <a:t> (AC)</a:t>
             </a:r>
+            <a:endParaRPr/>
           </a:p>
           <a:p>
-            <a:pPr algn="just"/>
+            <a:pPr algn="just">
+              <a:defRPr/>
+            </a:pPr>
             <a:r>
               <a:rPr dirty="0" err="1" lang="en-US" sz="2000">
                 <a:latin charset="0" panose="020B0606030504020204" pitchFamily="34" typeface="Open Sans"/>
@@ -6371,6 +6377,7 @@
           <a:p>
             <a:pPr algn="just" indent="0" marL="0">
               <a:buNone/>
+              <a:defRPr/>
             </a:pPr>
             <a:r>
               <a:rPr b="1" dirty="0" err="1" lang="en-US" sz="2000">
@@ -6397,14 +6404,95 @@
           <a:p>
             <a:pPr algn="just" indent="0" marL="0">
               <a:buNone/>
+              <a:defRPr/>
             </a:pPr>
             <a:r>
+              <a:rPr lang="en-US" smtClean="0" sz="2000">
+                <a:latin charset="0" panose="020B0606030504020204" pitchFamily="34" typeface="Open Sans"/>
+                <a:ea charset="0" panose="020B0606030504020204" pitchFamily="34" typeface="Open Sans"/>
+                <a:cs charset="0" panose="020B0606030504020204" pitchFamily="34" typeface="Open Sans"/>
+              </a:rPr>
+              <a:t>Volkswage E-Golf </a:t>
+            </a:r>
+            <a:r>
+              <a:rPr lang="ro-RO" smtClean="0" sz="2000">
+                <a:latin charset="0" panose="020B0606030504020204" pitchFamily="34" typeface="Open Sans"/>
+                <a:ea charset="0" panose="020B0606030504020204" pitchFamily="34" typeface="Open Sans"/>
+                <a:cs charset="0" panose="020B0606030504020204" pitchFamily="34" typeface="Open Sans"/>
+              </a:rPr>
+              <a:t>î</a:t>
+            </a:r>
+            <a:r>
+              <a:rPr dirty="0" err="1" lang="en-US" sz="2000">
+                <a:latin charset="0" panose="020B0606030504020204" pitchFamily="34" typeface="Open Sans"/>
+                <a:ea charset="0" panose="020B0606030504020204" pitchFamily="34" typeface="Open Sans"/>
+                <a:cs charset="0" panose="020B0606030504020204" pitchFamily="34" typeface="Open Sans"/>
+              </a:rPr>
+              <a:t>ncarc</a:t>
+            </a:r>
+            <a:r>
+              <a:rPr dirty="0" lang="ro-RO" sz="2000">
+                <a:latin charset="0" panose="020B0606030504020204" pitchFamily="34" typeface="Open Sans"/>
+                <a:ea charset="0" panose="020B0606030504020204" pitchFamily="34" typeface="Open Sans"/>
+                <a:cs charset="0" panose="020B0606030504020204" pitchFamily="34" typeface="Open Sans"/>
+              </a:rPr>
+              <a:t>ă</a:t>
+            </a:r>
+            <a:r>
               <a:rPr dirty="0" lang="en-US" sz="2000">
                 <a:latin charset="0" panose="020B0606030504020204" pitchFamily="34" typeface="Open Sans"/>
                 <a:ea charset="0" panose="020B0606030504020204" pitchFamily="34" typeface="Open Sans"/>
                 <a:cs charset="0" panose="020B0606030504020204" pitchFamily="34" typeface="Open Sans"/>
               </a:rPr>
-              <a:t>Nissan Leaf </a:t>
+              <a:t> cu </a:t>
+            </a:r>
+            <a:r>
+              <a:rPr lang="en-US" sz="2000">
+                <a:latin charset="0" panose="020B0606030504020204" pitchFamily="34" typeface="Open Sans"/>
+                <a:ea charset="0" panose="020B0606030504020204" pitchFamily="34" typeface="Open Sans"/>
+                <a:cs charset="0" panose="020B0606030504020204" pitchFamily="34" typeface="Open Sans"/>
+              </a:rPr>
+              <a:t>maxim </a:t>
+            </a:r>
+            <a:r>
+              <a:rPr lang="en-US" smtClean="0" sz="2000">
+                <a:latin charset="0" panose="020B0606030504020204" pitchFamily="34" typeface="Open Sans"/>
+                <a:ea charset="0" panose="020B0606030504020204" pitchFamily="34" typeface="Open Sans"/>
+                <a:cs charset="0" panose="020B0606030504020204" pitchFamily="34" typeface="Open Sans"/>
+              </a:rPr>
+              <a:t>7.2 </a:t>
+            </a:r>
+            <a:r>
+              <a:rPr dirty="0" lang="en-US" sz="2000">
+                <a:latin charset="0" panose="020B0606030504020204" pitchFamily="34" typeface="Open Sans"/>
+                <a:ea charset="0" panose="020B0606030504020204" pitchFamily="34" typeface="Open Sans"/>
+                <a:cs charset="0" panose="020B0606030504020204" pitchFamily="34" typeface="Open Sans"/>
+              </a:rPr>
+              <a:t>kW, </a:t>
+            </a:r>
+            <a:r>
+              <a:rPr dirty="0" err="1" lang="en-US" sz="2000">
+                <a:latin charset="0" panose="020B0606030504020204" pitchFamily="34" typeface="Open Sans"/>
+                <a:ea charset="0" panose="020B0606030504020204" pitchFamily="34" typeface="Open Sans"/>
+                <a:cs charset="0" panose="020B0606030504020204" pitchFamily="34" typeface="Open Sans"/>
+              </a:rPr>
+              <a:t>indiferent</a:t>
+            </a:r>
+            <a:r>
+              <a:rPr dirty="0" lang="en-US" sz="2000">
+                <a:latin charset="0" panose="020B0606030504020204" pitchFamily="34" typeface="Open Sans"/>
+                <a:ea charset="0" panose="020B0606030504020204" pitchFamily="34" typeface="Open Sans"/>
+                <a:cs charset="0" panose="020B0606030504020204" pitchFamily="34" typeface="Open Sans"/>
+              </a:rPr>
+              <a:t> </a:t>
+            </a:r>
+            <a:r>
+              <a:rPr dirty="0" err="1" lang="en-US" sz="2000">
+                <a:latin charset="0" panose="020B0606030504020204" pitchFamily="34" typeface="Open Sans"/>
+                <a:ea charset="0" panose="020B0606030504020204" pitchFamily="34" typeface="Open Sans"/>
+                <a:cs charset="0" panose="020B0606030504020204" pitchFamily="34" typeface="Open Sans"/>
+              </a:rPr>
+              <a:t>dac</a:t>
             </a:r>
             <a:r>
               <a:rPr dirty="0" lang="ro-RO" sz="2000">
@@ -6412,7 +6500,15 @@
                 <a:ea charset="0" panose="020B0606030504020204" pitchFamily="34" typeface="Open Sans"/>
                 <a:cs charset="0" panose="020B0606030504020204" pitchFamily="34" typeface="Open Sans"/>
               </a:rPr>
-              <a:t>î</a:t>
+              <a:t>ă</a:t>
+            </a:r>
+            <a:r>
+              <a:rPr dirty="0" lang="en-US" sz="2000">
+                <a:latin charset="0" panose="020B0606030504020204" pitchFamily="34" typeface="Open Sans"/>
+                <a:ea charset="0" panose="020B0606030504020204" pitchFamily="34" typeface="Open Sans"/>
+                <a:cs charset="0" panose="020B0606030504020204" pitchFamily="34" typeface="Open Sans"/>
+              </a:rPr>
+              <a:t> </a:t>
             </a:r>
             <a:r>
               <a:rPr dirty="0" err="1" lang="en-US" sz="2000">
@@ -6420,7 +6516,23 @@
                 <a:ea charset="0" panose="020B0606030504020204" pitchFamily="34" typeface="Open Sans"/>
                 <a:cs charset="0" panose="020B0606030504020204" pitchFamily="34" typeface="Open Sans"/>
               </a:rPr>
-              <a:t>ncarc</a:t>
+              <a:t>acesta</a:t>
+            </a:r>
+            <a:r>
+              <a:rPr dirty="0" lang="en-US" sz="2000">
+                <a:latin charset="0" panose="020B0606030504020204" pitchFamily="34" typeface="Open Sans"/>
+                <a:ea charset="0" panose="020B0606030504020204" pitchFamily="34" typeface="Open Sans"/>
+                <a:cs charset="0" panose="020B0606030504020204" pitchFamily="34" typeface="Open Sans"/>
+              </a:rPr>
+              <a:t> </a:t>
+            </a:r>
+            <a:r>
+              <a:rPr dirty="0" err="1" lang="en-US" sz="2000">
+                <a:latin charset="0" panose="020B0606030504020204" pitchFamily="34" typeface="Open Sans"/>
+                <a:ea charset="0" panose="020B0606030504020204" pitchFamily="34" typeface="Open Sans"/>
+                <a:cs charset="0" panose="020B0606030504020204" pitchFamily="34" typeface="Open Sans"/>
+              </a:rPr>
+              <a:t>este</a:t>
             </a:r>
             <a:r>
               <a:rPr dirty="0" lang="ro-RO" sz="2000">
@@ -6428,39 +6540,31 @@
                 <a:ea charset="0" panose="020B0606030504020204" pitchFamily="34" typeface="Open Sans"/>
                 <a:cs charset="0" panose="020B0606030504020204" pitchFamily="34" typeface="Open Sans"/>
               </a:rPr>
-              <a:t>ă</a:t>
-            </a:r>
-            <a:r>
-              <a:rPr dirty="0" lang="en-US" sz="2000">
-                <a:latin charset="0" panose="020B0606030504020204" pitchFamily="34" typeface="Open Sans"/>
-                <a:ea charset="0" panose="020B0606030504020204" pitchFamily="34" typeface="Open Sans"/>
-                <a:cs charset="0" panose="020B0606030504020204" pitchFamily="34" typeface="Open Sans"/>
-              </a:rPr>
-              <a:t> cu maxim 6,6 kW, </a:t>
-            </a:r>
-            <a:r>
-              <a:rPr dirty="0" err="1" lang="en-US" sz="2000">
-                <a:latin charset="0" panose="020B0606030504020204" pitchFamily="34" typeface="Open Sans"/>
-                <a:ea charset="0" panose="020B0606030504020204" pitchFamily="34" typeface="Open Sans"/>
-                <a:cs charset="0" panose="020B0606030504020204" pitchFamily="34" typeface="Open Sans"/>
-              </a:rPr>
-              <a:t>indiferent</a:t>
-            </a:r>
-            <a:r>
-              <a:rPr dirty="0" lang="en-US" sz="2000">
-                <a:latin charset="0" panose="020B0606030504020204" pitchFamily="34" typeface="Open Sans"/>
-                <a:ea charset="0" panose="020B0606030504020204" pitchFamily="34" typeface="Open Sans"/>
-                <a:cs charset="0" panose="020B0606030504020204" pitchFamily="34" typeface="Open Sans"/>
-              </a:rPr>
               <a:t> </a:t>
             </a:r>
             <a:r>
-              <a:rPr dirty="0" err="1" lang="en-US" sz="2000">
-                <a:latin charset="0" panose="020B0606030504020204" pitchFamily="34" typeface="Open Sans"/>
-                <a:ea charset="0" panose="020B0606030504020204" pitchFamily="34" typeface="Open Sans"/>
-                <a:cs charset="0" panose="020B0606030504020204" pitchFamily="34" typeface="Open Sans"/>
-              </a:rPr>
-              <a:t>dac</a:t>
+              <a:rPr dirty="0" err="1" lang="fr-FR" sz="2000">
+                <a:latin charset="0" panose="020B0606030504020204" pitchFamily="34" typeface="Open Sans"/>
+                <a:ea charset="0" panose="020B0606030504020204" pitchFamily="34" typeface="Open Sans"/>
+                <a:cs charset="0" panose="020B0606030504020204" pitchFamily="34" typeface="Open Sans"/>
+              </a:rPr>
+              <a:t>conectat</a:t>
+            </a:r>
+            <a:r>
+              <a:rPr dirty="0" lang="fr-FR" sz="2000">
+                <a:latin charset="0" panose="020B0606030504020204" pitchFamily="34" typeface="Open Sans"/>
+                <a:ea charset="0" panose="020B0606030504020204" pitchFamily="34" typeface="Open Sans"/>
+                <a:cs charset="0" panose="020B0606030504020204" pitchFamily="34" typeface="Open Sans"/>
+              </a:rPr>
+              <a:t> la o </a:t>
+            </a:r>
+            <a:r>
+              <a:rPr dirty="0" err="1" lang="fr-FR" sz="2000">
+                <a:latin charset="0" panose="020B0606030504020204" pitchFamily="34" typeface="Open Sans"/>
+                <a:ea charset="0" panose="020B0606030504020204" pitchFamily="34" typeface="Open Sans"/>
+                <a:cs charset="0" panose="020B0606030504020204" pitchFamily="34" typeface="Open Sans"/>
+              </a:rPr>
+              <a:t>sta</a:t>
             </a:r>
             <a:r>
               <a:rPr dirty="0" lang="ro-RO" sz="2000">
@@ -6468,10 +6572,18 @@
                 <a:ea charset="0" panose="020B0606030504020204" pitchFamily="34" typeface="Open Sans"/>
                 <a:cs charset="0" panose="020B0606030504020204" pitchFamily="34" typeface="Open Sans"/>
               </a:rPr>
-              <a:t>ă</a:t>
-            </a:r>
-            <a:r>
-              <a:rPr dirty="0" lang="en-US" sz="2000">
+              <a:t>ț</a:t>
+            </a:r>
+            <a:r>
+              <a:rPr dirty="0" err="1" lang="fr-FR" sz="2000">
+                <a:latin charset="0" panose="020B0606030504020204" pitchFamily="34" typeface="Open Sans"/>
+                <a:ea charset="0" panose="020B0606030504020204" pitchFamily="34" typeface="Open Sans"/>
+                <a:cs charset="0" panose="020B0606030504020204" pitchFamily="34" typeface="Open Sans"/>
+              </a:rPr>
+              <a:t>ie</a:t>
+            </a:r>
+            <a:r>
+              <a:rPr dirty="0" lang="fr-FR" sz="2000">
                 <a:latin charset="0" panose="020B0606030504020204" pitchFamily="34" typeface="Open Sans"/>
                 <a:ea charset="0" panose="020B0606030504020204" pitchFamily="34" typeface="Open Sans"/>
                 <a:cs charset="0" panose="020B0606030504020204" pitchFamily="34" typeface="Open Sans"/>
@@ -6479,84 +6591,28 @@
               <a:t> </a:t>
             </a:r>
             <a:r>
-              <a:rPr dirty="0" err="1" lang="en-US" sz="2000">
-                <a:latin charset="0" panose="020B0606030504020204" pitchFamily="34" typeface="Open Sans"/>
-                <a:ea charset="0" panose="020B0606030504020204" pitchFamily="34" typeface="Open Sans"/>
-                <a:cs charset="0" panose="020B0606030504020204" pitchFamily="34" typeface="Open Sans"/>
-              </a:rPr>
-              <a:t>acesta</a:t>
-            </a:r>
-            <a:r>
-              <a:rPr dirty="0" lang="en-US" sz="2000">
+              <a:rPr lang="fr-FR" sz="2000">
+                <a:latin charset="0" panose="020B0606030504020204" pitchFamily="34" typeface="Open Sans"/>
+                <a:ea charset="0" panose="020B0606030504020204" pitchFamily="34" typeface="Open Sans"/>
+                <a:cs charset="0" panose="020B0606030504020204" pitchFamily="34" typeface="Open Sans"/>
+              </a:rPr>
+              <a:t>de </a:t>
+            </a:r>
+            <a:r>
+              <a:rPr lang="en-US" smtClean="0" sz="2000">
+                <a:latin charset="0" panose="020B0606030504020204" pitchFamily="34" typeface="Open Sans"/>
+                <a:ea charset="0" panose="020B0606030504020204" pitchFamily="34" typeface="Open Sans"/>
+                <a:cs charset="0" panose="020B0606030504020204" pitchFamily="34" typeface="Open Sans"/>
+              </a:rPr>
+              <a:t>7.4</a:t>
+            </a:r>
+            <a:r>
+              <a:rPr lang="fr-FR" smtClean="0" sz="2000">
                 <a:latin charset="0" panose="020B0606030504020204" pitchFamily="34" typeface="Open Sans"/>
                 <a:ea charset="0" panose="020B0606030504020204" pitchFamily="34" typeface="Open Sans"/>
                 <a:cs charset="0" panose="020B0606030504020204" pitchFamily="34" typeface="Open Sans"/>
               </a:rPr>
               <a:t> </a:t>
-            </a:r>
-            <a:r>
-              <a:rPr dirty="0" err="1" lang="en-US" sz="2000">
-                <a:latin charset="0" panose="020B0606030504020204" pitchFamily="34" typeface="Open Sans"/>
-                <a:ea charset="0" panose="020B0606030504020204" pitchFamily="34" typeface="Open Sans"/>
-                <a:cs charset="0" panose="020B0606030504020204" pitchFamily="34" typeface="Open Sans"/>
-              </a:rPr>
-              <a:t>este</a:t>
-            </a:r>
-            <a:r>
-              <a:rPr dirty="0" lang="ro-RO" sz="2000">
-                <a:latin charset="0" panose="020B0606030504020204" pitchFamily="34" typeface="Open Sans"/>
-                <a:ea charset="0" panose="020B0606030504020204" pitchFamily="34" typeface="Open Sans"/>
-                <a:cs charset="0" panose="020B0606030504020204" pitchFamily="34" typeface="Open Sans"/>
-              </a:rPr>
-              <a:t> </a:t>
-            </a:r>
-            <a:r>
-              <a:rPr dirty="0" err="1" lang="fr-FR" sz="2000">
-                <a:latin charset="0" panose="020B0606030504020204" pitchFamily="34" typeface="Open Sans"/>
-                <a:ea charset="0" panose="020B0606030504020204" pitchFamily="34" typeface="Open Sans"/>
-                <a:cs charset="0" panose="020B0606030504020204" pitchFamily="34" typeface="Open Sans"/>
-              </a:rPr>
-              <a:t>conectat</a:t>
-            </a:r>
-            <a:r>
-              <a:rPr dirty="0" lang="fr-FR" sz="2000">
-                <a:latin charset="0" panose="020B0606030504020204" pitchFamily="34" typeface="Open Sans"/>
-                <a:ea charset="0" panose="020B0606030504020204" pitchFamily="34" typeface="Open Sans"/>
-                <a:cs charset="0" panose="020B0606030504020204" pitchFamily="34" typeface="Open Sans"/>
-              </a:rPr>
-              <a:t> la o </a:t>
-            </a:r>
-            <a:r>
-              <a:rPr dirty="0" err="1" lang="fr-FR" sz="2000">
-                <a:latin charset="0" panose="020B0606030504020204" pitchFamily="34" typeface="Open Sans"/>
-                <a:ea charset="0" panose="020B0606030504020204" pitchFamily="34" typeface="Open Sans"/>
-                <a:cs charset="0" panose="020B0606030504020204" pitchFamily="34" typeface="Open Sans"/>
-              </a:rPr>
-              <a:t>sta</a:t>
-            </a:r>
-            <a:r>
-              <a:rPr dirty="0" lang="ro-RO" sz="2000">
-                <a:latin charset="0" panose="020B0606030504020204" pitchFamily="34" typeface="Open Sans"/>
-                <a:ea charset="0" panose="020B0606030504020204" pitchFamily="34" typeface="Open Sans"/>
-                <a:cs charset="0" panose="020B0606030504020204" pitchFamily="34" typeface="Open Sans"/>
-              </a:rPr>
-              <a:t>ț</a:t>
-            </a:r>
-            <a:r>
-              <a:rPr dirty="0" err="1" lang="fr-FR" sz="2000">
-                <a:latin charset="0" panose="020B0606030504020204" pitchFamily="34" typeface="Open Sans"/>
-                <a:ea charset="0" panose="020B0606030504020204" pitchFamily="34" typeface="Open Sans"/>
-                <a:cs charset="0" panose="020B0606030504020204" pitchFamily="34" typeface="Open Sans"/>
-              </a:rPr>
-              <a:t>ie</a:t>
-            </a:r>
-            <a:r>
-              <a:rPr dirty="0" lang="fr-FR" sz="2000">
-                <a:latin charset="0" panose="020B0606030504020204" pitchFamily="34" typeface="Open Sans"/>
-                <a:ea charset="0" panose="020B0606030504020204" pitchFamily="34" typeface="Open Sans"/>
-                <a:cs charset="0" panose="020B0606030504020204" pitchFamily="34" typeface="Open Sans"/>
-              </a:rPr>
-              <a:t> de 7,4 </a:t>
             </a:r>
             <a:r>
               <a:rPr dirty="0" err="1" lang="fr-FR" sz="2000">
@@ -6583,9 +6639,10 @@
           <a:p>
             <a:pPr indent="0" marL="0">
               <a:buNone/>
+              <a:defRPr/>
             </a:pPr>
             <a:r>
-              <a:rPr dirty="0" err="1" lang="en-US" sz="2000">
+              <a:rPr lang="en-US" smtClean="0" sz="2000">
                 <a:latin charset="0" panose="020B0606030504020204" pitchFamily="34" typeface="Open Sans"/>
                 <a:ea charset="0" panose="020B0606030504020204" pitchFamily="34" typeface="Open Sans"/>
                 <a:cs charset="0" panose="020B0606030504020204" pitchFamily="34" typeface="Open Sans"/>
@@ -6593,22 +6650,13 @@
               <a:t>Sursa:</a:t>
             </a:r>
             <a:r>
-              <a:rPr dirty="0" err="1" lang="en-US" sz="2000">
+              <a:rPr lang="en-US" smtClean="0" sz="2000">
                 <a:latin charset="0" panose="020B0606030504020204" pitchFamily="34" typeface="Open Sans"/>
                 <a:ea charset="0" panose="020B0606030504020204" pitchFamily="34" typeface="Open Sans"/>
                 <a:cs charset="0" panose="020B0606030504020204" pitchFamily="34" typeface="Open Sans"/>
                 <a:hlinkClick r:id="rId2"/>
               </a:rPr>
-              <a:t>https</a:t>
-            </a:r>
-            <a:r>
-              <a:rPr dirty="0" lang="en-US" sz="2000">
-                <a:latin charset="0" panose="020B0606030504020204" pitchFamily="34" typeface="Open Sans"/>
-                <a:ea charset="0" panose="020B0606030504020204" pitchFamily="34" typeface="Open Sans"/>
-                <a:cs charset="0" panose="020B0606030504020204" pitchFamily="34" typeface="Open Sans"/>
-                <a:hlinkClick r:id="rId2"/>
-              </a:rPr>
-              <a:t>://ev-database.uk/</a:t>
+              <a:t> https://ev-database.uk/car/1087/Volkswagen-e-Golf#charge-table</a:t>
             </a:r>
             <a:r>
               <a:rPr dirty="0" lang="ro-RO" sz="2000">
@@ -6842,6 +6890,7 @@
           <a:p>
             <a:pPr algn="just" indent="0" marL="0">
               <a:buNone/>
+              <a:defRPr/>
             </a:pPr>
             <a:r>
               <a:rPr b="1" dirty="0" lang="it-IT" sz="2000">
